--- a/Topological-Shortcuts/Figure2.pptx
+++ b/Topological-Shortcuts/Figure2.pptx
@@ -2,7 +2,7 @@
 <file path=ppt/presentation.xml><?xml version="1.0" encoding="utf-8"?>
 <p:presentation xmlns:a="http://schemas.openxmlformats.org/drawingml/2006/main" xmlns:r="http://schemas.openxmlformats.org/officeDocument/2006/relationships" xmlns:p="http://schemas.openxmlformats.org/presentationml/2006/main" saveSubsetFonts="1" autoCompressPictures="0">
   <p:sldMasterIdLst>
-    <p:sldMasterId id="2147483672" r:id="rId1"/>
+    <p:sldMasterId id="2147483684" r:id="rId1"/>
   </p:sldMasterIdLst>
   <p:notesMasterIdLst>
     <p:notesMasterId r:id="rId3"/>
@@ -10,7 +10,7 @@
   <p:sldIdLst>
     <p:sldId id="256" r:id="rId2"/>
   </p:sldIdLst>
-  <p:sldSz cx="6400800" cy="12801600"/>
+  <p:sldSz cx="6400800" cy="10972800"/>
   <p:notesSz cx="6858000" cy="9144000"/>
   <p:defaultTextStyle>
     <a:defPPr>
@@ -107,6 +107,11 @@
       </a:defRPr>
     </a:lvl9pPr>
   </p:defaultTextStyle>
+  <p:extLst>
+    <p:ext uri="{EFAFB233-063F-42B5-8137-9DF3F51BA10A}">
+      <p15:sldGuideLst xmlns:p15="http://schemas.microsoft.com/office/powerpoint/2012/main"/>
+    </p:ext>
+  </p:extLst>
 </p:presentation>
 </file>
 
@@ -192,7 +197,7 @@
           <a:p>
             <a:fld id="{BB3EE2A0-4840-8240-B7FC-A3DA3C3A3237}" type="datetimeFigureOut">
               <a:rPr lang="en-US" smtClean="0"/>
-              <a:t>6/6/23</a:t>
+              <a:t>6/7/23</a:t>
             </a:fld>
             <a:endParaRPr lang="en-US"/>
           </a:p>
@@ -210,8 +215,8 @@
         </p:nvSpPr>
         <p:spPr>
           <a:xfrm>
-            <a:off x="2657475" y="1143000"/>
-            <a:ext cx="1543050" cy="3086100"/>
+            <a:off x="2528888" y="1143000"/>
+            <a:ext cx="1800225" cy="3086100"/>
           </a:xfrm>
           <a:prstGeom prst="rect">
             <a:avLst/>
@@ -488,8 +493,8 @@
         </p:nvSpPr>
         <p:spPr>
           <a:xfrm>
-            <a:off x="2657475" y="1143000"/>
-            <a:ext cx="1543050" cy="3086100"/>
+            <a:off x="2528888" y="1143000"/>
+            <a:ext cx="1800225" cy="3086100"/>
           </a:xfrm>
         </p:spPr>
       </p:sp>
@@ -577,8 +582,8 @@
         </p:nvSpPr>
         <p:spPr>
           <a:xfrm>
-            <a:off x="480060" y="2095078"/>
-            <a:ext cx="5440680" cy="4456853"/>
+            <a:off x="480060" y="1795781"/>
+            <a:ext cx="5440680" cy="3820160"/>
           </a:xfrm>
         </p:spPr>
         <p:txBody>
@@ -609,8 +614,8 @@
         </p:nvSpPr>
         <p:spPr>
           <a:xfrm>
-            <a:off x="800100" y="6723804"/>
-            <a:ext cx="4800600" cy="3090756"/>
+            <a:off x="800100" y="5763261"/>
+            <a:ext cx="4800600" cy="2649219"/>
           </a:xfrm>
         </p:spPr>
         <p:txBody>
@@ -679,7 +684,7 @@
           <a:p>
             <a:fld id="{0EAD7502-BA63-044C-8603-0C09F6EC379F}" type="datetimeFigureOut">
               <a:rPr lang="en-US" smtClean="0"/>
-              <a:t>6/6/23</a:t>
+              <a:t>6/7/23</a:t>
             </a:fld>
             <a:endParaRPr lang="en-US"/>
           </a:p>
@@ -730,7 +735,7 @@
     </p:spTree>
     <p:extLst>
       <p:ext uri="{BB962C8B-B14F-4D97-AF65-F5344CB8AC3E}">
-        <p14:creationId xmlns:p14="http://schemas.microsoft.com/office/powerpoint/2010/main" val="3191011793"/>
+        <p14:creationId xmlns:p14="http://schemas.microsoft.com/office/powerpoint/2010/main" val="2928081726"/>
       </p:ext>
     </p:extLst>
   </p:cSld>
@@ -849,7 +854,7 @@
           <a:p>
             <a:fld id="{0EAD7502-BA63-044C-8603-0C09F6EC379F}" type="datetimeFigureOut">
               <a:rPr lang="en-US" smtClean="0"/>
-              <a:t>6/6/23</a:t>
+              <a:t>6/7/23</a:t>
             </a:fld>
             <a:endParaRPr lang="en-US"/>
           </a:p>
@@ -900,7 +905,7 @@
     </p:spTree>
     <p:extLst>
       <p:ext uri="{BB962C8B-B14F-4D97-AF65-F5344CB8AC3E}">
-        <p14:creationId xmlns:p14="http://schemas.microsoft.com/office/powerpoint/2010/main" val="261439590"/>
+        <p14:creationId xmlns:p14="http://schemas.microsoft.com/office/powerpoint/2010/main" val="2176651265"/>
       </p:ext>
     </p:extLst>
   </p:cSld>
@@ -939,8 +944,8 @@
         </p:nvSpPr>
         <p:spPr>
           <a:xfrm>
-            <a:off x="4580573" y="681567"/>
-            <a:ext cx="1380173" cy="10848764"/>
+            <a:off x="4580573" y="584200"/>
+            <a:ext cx="1380173" cy="9298941"/>
           </a:xfrm>
         </p:spPr>
         <p:txBody>
@@ -967,8 +972,8 @@
         </p:nvSpPr>
         <p:spPr>
           <a:xfrm>
-            <a:off x="440055" y="681567"/>
-            <a:ext cx="4060508" cy="10848764"/>
+            <a:off x="440055" y="584200"/>
+            <a:ext cx="4060508" cy="9298941"/>
           </a:xfrm>
         </p:spPr>
         <p:txBody>
@@ -1029,7 +1034,7 @@
           <a:p>
             <a:fld id="{0EAD7502-BA63-044C-8603-0C09F6EC379F}" type="datetimeFigureOut">
               <a:rPr lang="en-US" smtClean="0"/>
-              <a:t>6/6/23</a:t>
+              <a:t>6/7/23</a:t>
             </a:fld>
             <a:endParaRPr lang="en-US"/>
           </a:p>
@@ -1080,7 +1085,7 @@
     </p:spTree>
     <p:extLst>
       <p:ext uri="{BB962C8B-B14F-4D97-AF65-F5344CB8AC3E}">
-        <p14:creationId xmlns:p14="http://schemas.microsoft.com/office/powerpoint/2010/main" val="4048568396"/>
+        <p14:creationId xmlns:p14="http://schemas.microsoft.com/office/powerpoint/2010/main" val="1769875451"/>
       </p:ext>
     </p:extLst>
   </p:cSld>
@@ -1199,7 +1204,7 @@
           <a:p>
             <a:fld id="{0EAD7502-BA63-044C-8603-0C09F6EC379F}" type="datetimeFigureOut">
               <a:rPr lang="en-US" smtClean="0"/>
-              <a:t>6/6/23</a:t>
+              <a:t>6/7/23</a:t>
             </a:fld>
             <a:endParaRPr lang="en-US"/>
           </a:p>
@@ -1250,7 +1255,7 @@
     </p:spTree>
     <p:extLst>
       <p:ext uri="{BB962C8B-B14F-4D97-AF65-F5344CB8AC3E}">
-        <p14:creationId xmlns:p14="http://schemas.microsoft.com/office/powerpoint/2010/main" val="2660308691"/>
+        <p14:creationId xmlns:p14="http://schemas.microsoft.com/office/powerpoint/2010/main" val="2153479581"/>
       </p:ext>
     </p:extLst>
   </p:cSld>
@@ -1289,8 +1294,8 @@
         </p:nvSpPr>
         <p:spPr>
           <a:xfrm>
-            <a:off x="436722" y="3191514"/>
-            <a:ext cx="5520690" cy="5325109"/>
+            <a:off x="436722" y="2735583"/>
+            <a:ext cx="5520690" cy="4564379"/>
           </a:xfrm>
         </p:spPr>
         <p:txBody>
@@ -1321,8 +1326,8 @@
         </p:nvSpPr>
         <p:spPr>
           <a:xfrm>
-            <a:off x="436722" y="8567000"/>
-            <a:ext cx="5520690" cy="2800349"/>
+            <a:off x="436722" y="7343143"/>
+            <a:ext cx="5520690" cy="2400299"/>
           </a:xfrm>
         </p:spPr>
         <p:txBody>
@@ -1443,7 +1448,7 @@
           <a:p>
             <a:fld id="{0EAD7502-BA63-044C-8603-0C09F6EC379F}" type="datetimeFigureOut">
               <a:rPr lang="en-US" smtClean="0"/>
-              <a:t>6/6/23</a:t>
+              <a:t>6/7/23</a:t>
             </a:fld>
             <a:endParaRPr lang="en-US"/>
           </a:p>
@@ -1494,7 +1499,7 @@
     </p:spTree>
     <p:extLst>
       <p:ext uri="{BB962C8B-B14F-4D97-AF65-F5344CB8AC3E}">
-        <p14:creationId xmlns:p14="http://schemas.microsoft.com/office/powerpoint/2010/main" val="2637569161"/>
+        <p14:creationId xmlns:p14="http://schemas.microsoft.com/office/powerpoint/2010/main" val="1227611719"/>
       </p:ext>
     </p:extLst>
   </p:cSld>
@@ -1556,8 +1561,8 @@
         </p:nvSpPr>
         <p:spPr>
           <a:xfrm>
-            <a:off x="440055" y="3407833"/>
-            <a:ext cx="2720340" cy="8122498"/>
+            <a:off x="440055" y="2921000"/>
+            <a:ext cx="2720340" cy="6962141"/>
           </a:xfrm>
         </p:spPr>
         <p:txBody>
@@ -1613,8 +1618,8 @@
         </p:nvSpPr>
         <p:spPr>
           <a:xfrm>
-            <a:off x="3240405" y="3407833"/>
-            <a:ext cx="2720340" cy="8122498"/>
+            <a:off x="3240405" y="2921000"/>
+            <a:ext cx="2720340" cy="6962141"/>
           </a:xfrm>
         </p:spPr>
         <p:txBody>
@@ -1675,7 +1680,7 @@
           <a:p>
             <a:fld id="{0EAD7502-BA63-044C-8603-0C09F6EC379F}" type="datetimeFigureOut">
               <a:rPr lang="en-US" smtClean="0"/>
-              <a:t>6/6/23</a:t>
+              <a:t>6/7/23</a:t>
             </a:fld>
             <a:endParaRPr lang="en-US"/>
           </a:p>
@@ -1726,7 +1731,7 @@
     </p:spTree>
     <p:extLst>
       <p:ext uri="{BB962C8B-B14F-4D97-AF65-F5344CB8AC3E}">
-        <p14:creationId xmlns:p14="http://schemas.microsoft.com/office/powerpoint/2010/main" val="2699897648"/>
+        <p14:creationId xmlns:p14="http://schemas.microsoft.com/office/powerpoint/2010/main" val="2161459240"/>
       </p:ext>
     </p:extLst>
   </p:cSld>
@@ -1765,8 +1770,8 @@
         </p:nvSpPr>
         <p:spPr>
           <a:xfrm>
-            <a:off x="440889" y="681570"/>
-            <a:ext cx="5520690" cy="2474384"/>
+            <a:off x="440889" y="584202"/>
+            <a:ext cx="5520690" cy="2120901"/>
           </a:xfrm>
         </p:spPr>
         <p:txBody>
@@ -1793,8 +1798,8 @@
         </p:nvSpPr>
         <p:spPr>
           <a:xfrm>
-            <a:off x="440889" y="3138171"/>
-            <a:ext cx="2707838" cy="1537969"/>
+            <a:off x="440889" y="2689861"/>
+            <a:ext cx="2707838" cy="1318259"/>
           </a:xfrm>
         </p:spPr>
         <p:txBody>
@@ -1858,8 +1863,8 @@
         </p:nvSpPr>
         <p:spPr>
           <a:xfrm>
-            <a:off x="440889" y="4676140"/>
-            <a:ext cx="2707838" cy="6877898"/>
+            <a:off x="440889" y="4008120"/>
+            <a:ext cx="2707838" cy="5895341"/>
           </a:xfrm>
         </p:spPr>
         <p:txBody>
@@ -1915,8 +1920,8 @@
         </p:nvSpPr>
         <p:spPr>
           <a:xfrm>
-            <a:off x="3240405" y="3138171"/>
-            <a:ext cx="2721174" cy="1537969"/>
+            <a:off x="3240405" y="2689861"/>
+            <a:ext cx="2721174" cy="1318259"/>
           </a:xfrm>
         </p:spPr>
         <p:txBody>
@@ -1980,8 +1985,8 @@
         </p:nvSpPr>
         <p:spPr>
           <a:xfrm>
-            <a:off x="3240405" y="4676140"/>
-            <a:ext cx="2721174" cy="6877898"/>
+            <a:off x="3240405" y="4008120"/>
+            <a:ext cx="2721174" cy="5895341"/>
           </a:xfrm>
         </p:spPr>
         <p:txBody>
@@ -2042,7 +2047,7 @@
           <a:p>
             <a:fld id="{0EAD7502-BA63-044C-8603-0C09F6EC379F}" type="datetimeFigureOut">
               <a:rPr lang="en-US" smtClean="0"/>
-              <a:t>6/6/23</a:t>
+              <a:t>6/7/23</a:t>
             </a:fld>
             <a:endParaRPr lang="en-US"/>
           </a:p>
@@ -2093,7 +2098,7 @@
     </p:spTree>
     <p:extLst>
       <p:ext uri="{BB962C8B-B14F-4D97-AF65-F5344CB8AC3E}">
-        <p14:creationId xmlns:p14="http://schemas.microsoft.com/office/powerpoint/2010/main" val="721415123"/>
+        <p14:creationId xmlns:p14="http://schemas.microsoft.com/office/powerpoint/2010/main" val="3747487281"/>
       </p:ext>
     </p:extLst>
   </p:cSld>
@@ -2160,7 +2165,7 @@
           <a:p>
             <a:fld id="{0EAD7502-BA63-044C-8603-0C09F6EC379F}" type="datetimeFigureOut">
               <a:rPr lang="en-US" smtClean="0"/>
-              <a:t>6/6/23</a:t>
+              <a:t>6/7/23</a:t>
             </a:fld>
             <a:endParaRPr lang="en-US"/>
           </a:p>
@@ -2211,7 +2216,7 @@
     </p:spTree>
     <p:extLst>
       <p:ext uri="{BB962C8B-B14F-4D97-AF65-F5344CB8AC3E}">
-        <p14:creationId xmlns:p14="http://schemas.microsoft.com/office/powerpoint/2010/main" val="1848997706"/>
+        <p14:creationId xmlns:p14="http://schemas.microsoft.com/office/powerpoint/2010/main" val="1490992721"/>
       </p:ext>
     </p:extLst>
   </p:cSld>
@@ -2255,7 +2260,7 @@
           <a:p>
             <a:fld id="{0EAD7502-BA63-044C-8603-0C09F6EC379F}" type="datetimeFigureOut">
               <a:rPr lang="en-US" smtClean="0"/>
-              <a:t>6/6/23</a:t>
+              <a:t>6/7/23</a:t>
             </a:fld>
             <a:endParaRPr lang="en-US"/>
           </a:p>
@@ -2306,7 +2311,7 @@
     </p:spTree>
     <p:extLst>
       <p:ext uri="{BB962C8B-B14F-4D97-AF65-F5344CB8AC3E}">
-        <p14:creationId xmlns:p14="http://schemas.microsoft.com/office/powerpoint/2010/main" val="2577705399"/>
+        <p14:creationId xmlns:p14="http://schemas.microsoft.com/office/powerpoint/2010/main" val="2815037500"/>
       </p:ext>
     </p:extLst>
   </p:cSld>
@@ -2345,8 +2350,8 @@
         </p:nvSpPr>
         <p:spPr>
           <a:xfrm>
-            <a:off x="440889" y="853440"/>
-            <a:ext cx="2064425" cy="2987040"/>
+            <a:off x="440889" y="731520"/>
+            <a:ext cx="2064425" cy="2560320"/>
           </a:xfrm>
         </p:spPr>
         <p:txBody>
@@ -2377,8 +2382,8 @@
         </p:nvSpPr>
         <p:spPr>
           <a:xfrm>
-            <a:off x="2721174" y="1843196"/>
-            <a:ext cx="3240405" cy="9097433"/>
+            <a:off x="2721174" y="1579882"/>
+            <a:ext cx="3240405" cy="7797800"/>
           </a:xfrm>
         </p:spPr>
         <p:txBody>
@@ -2462,8 +2467,8 @@
         </p:nvSpPr>
         <p:spPr>
           <a:xfrm>
-            <a:off x="440889" y="3840480"/>
-            <a:ext cx="2064425" cy="7114964"/>
+            <a:off x="440889" y="3291840"/>
+            <a:ext cx="2064425" cy="6098541"/>
           </a:xfrm>
         </p:spPr>
         <p:txBody>
@@ -2532,7 +2537,7 @@
           <a:p>
             <a:fld id="{0EAD7502-BA63-044C-8603-0C09F6EC379F}" type="datetimeFigureOut">
               <a:rPr lang="en-US" smtClean="0"/>
-              <a:t>6/6/23</a:t>
+              <a:t>6/7/23</a:t>
             </a:fld>
             <a:endParaRPr lang="en-US"/>
           </a:p>
@@ -2583,7 +2588,7 @@
     </p:spTree>
     <p:extLst>
       <p:ext uri="{BB962C8B-B14F-4D97-AF65-F5344CB8AC3E}">
-        <p14:creationId xmlns:p14="http://schemas.microsoft.com/office/powerpoint/2010/main" val="1043811894"/>
+        <p14:creationId xmlns:p14="http://schemas.microsoft.com/office/powerpoint/2010/main" val="1245443497"/>
       </p:ext>
     </p:extLst>
   </p:cSld>
@@ -2622,8 +2627,8 @@
         </p:nvSpPr>
         <p:spPr>
           <a:xfrm>
-            <a:off x="440889" y="853440"/>
-            <a:ext cx="2064425" cy="2987040"/>
+            <a:off x="440889" y="731520"/>
+            <a:ext cx="2064425" cy="2560320"/>
           </a:xfrm>
         </p:spPr>
         <p:txBody>
@@ -2654,8 +2659,8 @@
         </p:nvSpPr>
         <p:spPr>
           <a:xfrm>
-            <a:off x="2721174" y="1843196"/>
-            <a:ext cx="3240405" cy="9097433"/>
+            <a:off x="2721174" y="1579882"/>
+            <a:ext cx="3240405" cy="7797800"/>
           </a:xfrm>
         </p:spPr>
         <p:txBody>
@@ -2719,8 +2724,8 @@
         </p:nvSpPr>
         <p:spPr>
           <a:xfrm>
-            <a:off x="440889" y="3840480"/>
-            <a:ext cx="2064425" cy="7114964"/>
+            <a:off x="440889" y="3291840"/>
+            <a:ext cx="2064425" cy="6098541"/>
           </a:xfrm>
         </p:spPr>
         <p:txBody>
@@ -2789,7 +2794,7 @@
           <a:p>
             <a:fld id="{0EAD7502-BA63-044C-8603-0C09F6EC379F}" type="datetimeFigureOut">
               <a:rPr lang="en-US" smtClean="0"/>
-              <a:t>6/6/23</a:t>
+              <a:t>6/7/23</a:t>
             </a:fld>
             <a:endParaRPr lang="en-US"/>
           </a:p>
@@ -2840,7 +2845,7 @@
     </p:spTree>
     <p:extLst>
       <p:ext uri="{BB962C8B-B14F-4D97-AF65-F5344CB8AC3E}">
-        <p14:creationId xmlns:p14="http://schemas.microsoft.com/office/powerpoint/2010/main" val="91077153"/>
+        <p14:creationId xmlns:p14="http://schemas.microsoft.com/office/powerpoint/2010/main" val="3753860865"/>
       </p:ext>
     </p:extLst>
   </p:cSld>
@@ -2884,8 +2889,8 @@
         </p:nvSpPr>
         <p:spPr>
           <a:xfrm>
-            <a:off x="440055" y="681570"/>
-            <a:ext cx="5520690" cy="2474384"/>
+            <a:off x="440055" y="584202"/>
+            <a:ext cx="5520690" cy="2120901"/>
           </a:xfrm>
           <a:prstGeom prst="rect">
             <a:avLst/>
@@ -2917,8 +2922,8 @@
         </p:nvSpPr>
         <p:spPr>
           <a:xfrm>
-            <a:off x="440055" y="3407833"/>
-            <a:ext cx="5520690" cy="8122498"/>
+            <a:off x="440055" y="2921000"/>
+            <a:ext cx="5520690" cy="6962141"/>
           </a:xfrm>
           <a:prstGeom prst="rect">
             <a:avLst/>
@@ -2979,8 +2984,8 @@
         </p:nvSpPr>
         <p:spPr>
           <a:xfrm>
-            <a:off x="440055" y="11865189"/>
-            <a:ext cx="1440180" cy="681567"/>
+            <a:off x="440055" y="10170162"/>
+            <a:ext cx="1440180" cy="584200"/>
           </a:xfrm>
           <a:prstGeom prst="rect">
             <a:avLst/>
@@ -3002,7 +3007,7 @@
           <a:p>
             <a:fld id="{0EAD7502-BA63-044C-8603-0C09F6EC379F}" type="datetimeFigureOut">
               <a:rPr lang="en-US" smtClean="0"/>
-              <a:t>6/6/23</a:t>
+              <a:t>6/7/23</a:t>
             </a:fld>
             <a:endParaRPr lang="en-US"/>
           </a:p>
@@ -3020,8 +3025,8 @@
         </p:nvSpPr>
         <p:spPr>
           <a:xfrm>
-            <a:off x="2120265" y="11865189"/>
-            <a:ext cx="2160270" cy="681567"/>
+            <a:off x="2120265" y="10170162"/>
+            <a:ext cx="2160270" cy="584200"/>
           </a:xfrm>
           <a:prstGeom prst="rect">
             <a:avLst/>
@@ -3057,8 +3062,8 @@
         </p:nvSpPr>
         <p:spPr>
           <a:xfrm>
-            <a:off x="4520565" y="11865189"/>
-            <a:ext cx="1440180" cy="681567"/>
+            <a:off x="4520565" y="10170162"/>
+            <a:ext cx="1440180" cy="584200"/>
           </a:xfrm>
           <a:prstGeom prst="rect">
             <a:avLst/>
@@ -3089,23 +3094,23 @@
     </p:spTree>
     <p:extLst>
       <p:ext uri="{BB962C8B-B14F-4D97-AF65-F5344CB8AC3E}">
-        <p14:creationId xmlns:p14="http://schemas.microsoft.com/office/powerpoint/2010/main" val="554541027"/>
+        <p14:creationId xmlns:p14="http://schemas.microsoft.com/office/powerpoint/2010/main" val="474102798"/>
       </p:ext>
     </p:extLst>
   </p:cSld>
   <p:clrMap bg1="lt1" tx1="dk1" bg2="lt2" tx2="dk2" accent1="accent1" accent2="accent2" accent3="accent3" accent4="accent4" accent5="accent5" accent6="accent6" hlink="hlink" folHlink="folHlink"/>
   <p:sldLayoutIdLst>
-    <p:sldLayoutId id="2147483673" r:id="rId1"/>
-    <p:sldLayoutId id="2147483674" r:id="rId2"/>
-    <p:sldLayoutId id="2147483675" r:id="rId3"/>
-    <p:sldLayoutId id="2147483676" r:id="rId4"/>
-    <p:sldLayoutId id="2147483677" r:id="rId5"/>
-    <p:sldLayoutId id="2147483678" r:id="rId6"/>
-    <p:sldLayoutId id="2147483679" r:id="rId7"/>
-    <p:sldLayoutId id="2147483680" r:id="rId8"/>
-    <p:sldLayoutId id="2147483681" r:id="rId9"/>
-    <p:sldLayoutId id="2147483682" r:id="rId10"/>
-    <p:sldLayoutId id="2147483683" r:id="rId11"/>
+    <p:sldLayoutId id="2147483685" r:id="rId1"/>
+    <p:sldLayoutId id="2147483686" r:id="rId2"/>
+    <p:sldLayoutId id="2147483687" r:id="rId3"/>
+    <p:sldLayoutId id="2147483688" r:id="rId4"/>
+    <p:sldLayoutId id="2147483689" r:id="rId5"/>
+    <p:sldLayoutId id="2147483690" r:id="rId6"/>
+    <p:sldLayoutId id="2147483691" r:id="rId7"/>
+    <p:sldLayoutId id="2147483692" r:id="rId8"/>
+    <p:sldLayoutId id="2147483693" r:id="rId9"/>
+    <p:sldLayoutId id="2147483694" r:id="rId10"/>
+    <p:sldLayoutId id="2147483695" r:id="rId11"/>
   </p:sldLayoutIdLst>
   <p:txStyles>
     <p:titleStyle>
@@ -3421,7 +3426,7 @@
         </p:nvSpPr>
         <p:spPr>
           <a:xfrm rot="19361309">
-            <a:off x="1026951" y="9797192"/>
+            <a:off x="1307939" y="9566507"/>
             <a:ext cx="492443" cy="369332"/>
           </a:xfrm>
           <a:prstGeom prst="rect">
@@ -3461,7 +3466,7 @@
         </p:nvSpPr>
         <p:spPr>
           <a:xfrm rot="19203284">
-            <a:off x="1657220" y="9937977"/>
+            <a:off x="1938208" y="9707292"/>
             <a:ext cx="955711" cy="369332"/>
           </a:xfrm>
           <a:prstGeom prst="rect">
@@ -3501,7 +3506,7 @@
         </p:nvSpPr>
         <p:spPr>
           <a:xfrm rot="19203284">
-            <a:off x="2395242" y="10072138"/>
+            <a:off x="2676229" y="9841453"/>
             <a:ext cx="1393330" cy="369332"/>
           </a:xfrm>
           <a:prstGeom prst="rect">
@@ -3541,7 +3546,7 @@
         </p:nvSpPr>
         <p:spPr>
           <a:xfrm rot="19203284">
-            <a:off x="3216952" y="10136928"/>
+            <a:off x="3497940" y="9906243"/>
             <a:ext cx="1672253" cy="369332"/>
           </a:xfrm>
           <a:prstGeom prst="rect">
@@ -3595,7 +3600,7 @@
         </p:nvSpPr>
         <p:spPr>
           <a:xfrm rot="19203284">
-            <a:off x="4108577" y="10207340"/>
+            <a:off x="4389565" y="9976655"/>
             <a:ext cx="1917513" cy="369332"/>
           </a:xfrm>
           <a:prstGeom prst="rect">
@@ -3659,7 +3664,7 @@
         </p:nvSpPr>
         <p:spPr>
           <a:xfrm rot="16200000">
-            <a:off x="-797930" y="2353247"/>
+            <a:off x="-516943" y="2122562"/>
             <a:ext cx="1986441" cy="369332"/>
           </a:xfrm>
           <a:prstGeom prst="rect">
@@ -3714,7 +3719,7 @@
         </p:blipFill>
         <p:spPr bwMode="auto">
           <a:xfrm>
-            <a:off x="446771" y="4868488"/>
+            <a:off x="727758" y="4637803"/>
             <a:ext cx="5507258" cy="4916584"/>
           </a:xfrm>
           <a:prstGeom prst="rect">
@@ -3761,7 +3766,7 @@
         </p:blipFill>
         <p:spPr bwMode="auto">
           <a:xfrm>
-            <a:off x="785193" y="230685"/>
+            <a:off x="1066180" y="0"/>
             <a:ext cx="5168836" cy="4614459"/>
           </a:xfrm>
           <a:prstGeom prst="rect">
@@ -3793,7 +3798,7 @@
         </p:nvSpPr>
         <p:spPr>
           <a:xfrm rot="16200000">
-            <a:off x="-486948" y="6893611"/>
+            <a:off x="-205961" y="6662926"/>
             <a:ext cx="1364476" cy="369332"/>
           </a:xfrm>
           <a:prstGeom prst="rect">
@@ -3833,8 +3838,8 @@
         </p:nvSpPr>
         <p:spPr>
           <a:xfrm>
-            <a:off x="2025819" y="11209972"/>
-            <a:ext cx="3437516" cy="1477328"/>
+            <a:off x="2977943" y="7584849"/>
+            <a:ext cx="3033547" cy="1477328"/>
           </a:xfrm>
           <a:prstGeom prst="rect">
             <a:avLst/>
@@ -3912,6 +3917,58 @@
               <a:latin typeface="Times New Roman" panose="02020603050405020304" pitchFamily="18" charset="0"/>
               <a:cs typeface="Times New Roman" panose="02020603050405020304" pitchFamily="18" charset="0"/>
             </a:endParaRPr>
+          </a:p>
+        </p:txBody>
+      </p:sp>
+      <p:sp>
+        <p:nvSpPr>
+          <p:cNvPr id="2" name="Rounded Rectangle 1">
+            <a:extLst>
+              <a:ext uri="{FF2B5EF4-FFF2-40B4-BE49-F238E27FC236}">
+                <a16:creationId xmlns:a16="http://schemas.microsoft.com/office/drawing/2014/main" id="{CAC4586B-D06E-A7A2-8C23-C6407FB5E213}"/>
+              </a:ext>
+            </a:extLst>
+          </p:cNvPr>
+          <p:cNvSpPr/>
+          <p:nvPr/>
+        </p:nvSpPr>
+        <p:spPr>
+          <a:xfrm>
+            <a:off x="2900982" y="7529831"/>
+            <a:ext cx="3110508" cy="1599691"/>
+          </a:xfrm>
+          <a:prstGeom prst="roundRect">
+            <a:avLst/>
+          </a:prstGeom>
+          <a:noFill/>
+          <a:ln>
+            <a:solidFill>
+              <a:schemeClr val="tx1"/>
+            </a:solidFill>
+          </a:ln>
+        </p:spPr>
+        <p:style>
+          <a:lnRef idx="2">
+            <a:schemeClr val="accent1">
+              <a:shade val="15000"/>
+            </a:schemeClr>
+          </a:lnRef>
+          <a:fillRef idx="1">
+            <a:schemeClr val="accent1"/>
+          </a:fillRef>
+          <a:effectRef idx="0">
+            <a:schemeClr val="accent1"/>
+          </a:effectRef>
+          <a:fontRef idx="minor">
+            <a:schemeClr val="lt1"/>
+          </a:fontRef>
+        </p:style>
+        <p:txBody>
+          <a:bodyPr rtlCol="0" anchor="ctr"/>
+          <a:lstStyle/>
+          <a:p>
+            <a:pPr algn="ctr"/>
+            <a:endParaRPr lang="en-US"/>
           </a:p>
         </p:txBody>
       </p:sp>
